--- a/app flow - mvp-1.0.pptx
+++ b/app flow - mvp-1.0.pptx
@@ -197,7 +197,7 @@
           <a:p>
             <a:fld id="{982993BE-3F70-4EF9-A239-7A95AE37E052}" type="datetimeFigureOut">
               <a:rPr lang="en-US" smtClean="0"/>
-              <a:t>18-Oct-18</a:t>
+              <a:t>24-Oct-18</a:t>
             </a:fld>
             <a:endParaRPr lang="en-US"/>
           </a:p>
@@ -706,7 +706,7 @@
           <a:p>
             <a:fld id="{81DA158C-467E-43D9-893D-1E6C05288A0E}" type="datetimeFigureOut">
               <a:rPr lang="en-US" smtClean="0"/>
-              <a:t>18-Oct-18</a:t>
+              <a:t>24-Oct-18</a:t>
             </a:fld>
             <a:endParaRPr lang="en-US"/>
           </a:p>
@@ -876,7 +876,7 @@
           <a:p>
             <a:fld id="{81DA158C-467E-43D9-893D-1E6C05288A0E}" type="datetimeFigureOut">
               <a:rPr lang="en-US" smtClean="0"/>
-              <a:t>18-Oct-18</a:t>
+              <a:t>24-Oct-18</a:t>
             </a:fld>
             <a:endParaRPr lang="en-US"/>
           </a:p>
@@ -1056,7 +1056,7 @@
           <a:p>
             <a:fld id="{81DA158C-467E-43D9-893D-1E6C05288A0E}" type="datetimeFigureOut">
               <a:rPr lang="en-US" smtClean="0"/>
-              <a:t>18-Oct-18</a:t>
+              <a:t>24-Oct-18</a:t>
             </a:fld>
             <a:endParaRPr lang="en-US"/>
           </a:p>
@@ -1226,7 +1226,7 @@
           <a:p>
             <a:fld id="{81DA158C-467E-43D9-893D-1E6C05288A0E}" type="datetimeFigureOut">
               <a:rPr lang="en-US" smtClean="0"/>
-              <a:t>18-Oct-18</a:t>
+              <a:t>24-Oct-18</a:t>
             </a:fld>
             <a:endParaRPr lang="en-US"/>
           </a:p>
@@ -1472,7 +1472,7 @@
           <a:p>
             <a:fld id="{81DA158C-467E-43D9-893D-1E6C05288A0E}" type="datetimeFigureOut">
               <a:rPr lang="en-US" smtClean="0"/>
-              <a:t>18-Oct-18</a:t>
+              <a:t>24-Oct-18</a:t>
             </a:fld>
             <a:endParaRPr lang="en-US"/>
           </a:p>
@@ -1704,7 +1704,7 @@
           <a:p>
             <a:fld id="{81DA158C-467E-43D9-893D-1E6C05288A0E}" type="datetimeFigureOut">
               <a:rPr lang="en-US" smtClean="0"/>
-              <a:t>18-Oct-18</a:t>
+              <a:t>24-Oct-18</a:t>
             </a:fld>
             <a:endParaRPr lang="en-US"/>
           </a:p>
@@ -2071,7 +2071,7 @@
           <a:p>
             <a:fld id="{81DA158C-467E-43D9-893D-1E6C05288A0E}" type="datetimeFigureOut">
               <a:rPr lang="en-US" smtClean="0"/>
-              <a:t>18-Oct-18</a:t>
+              <a:t>24-Oct-18</a:t>
             </a:fld>
             <a:endParaRPr lang="en-US"/>
           </a:p>
@@ -2189,7 +2189,7 @@
           <a:p>
             <a:fld id="{81DA158C-467E-43D9-893D-1E6C05288A0E}" type="datetimeFigureOut">
               <a:rPr lang="en-US" smtClean="0"/>
-              <a:t>18-Oct-18</a:t>
+              <a:t>24-Oct-18</a:t>
             </a:fld>
             <a:endParaRPr lang="en-US"/>
           </a:p>
@@ -2284,7 +2284,7 @@
           <a:p>
             <a:fld id="{81DA158C-467E-43D9-893D-1E6C05288A0E}" type="datetimeFigureOut">
               <a:rPr lang="en-US" smtClean="0"/>
-              <a:t>18-Oct-18</a:t>
+              <a:t>24-Oct-18</a:t>
             </a:fld>
             <a:endParaRPr lang="en-US"/>
           </a:p>
@@ -2561,7 +2561,7 @@
           <a:p>
             <a:fld id="{81DA158C-467E-43D9-893D-1E6C05288A0E}" type="datetimeFigureOut">
               <a:rPr lang="en-US" smtClean="0"/>
-              <a:t>18-Oct-18</a:t>
+              <a:t>24-Oct-18</a:t>
             </a:fld>
             <a:endParaRPr lang="en-US"/>
           </a:p>
@@ -2814,7 +2814,7 @@
           <a:p>
             <a:fld id="{81DA158C-467E-43D9-893D-1E6C05288A0E}" type="datetimeFigureOut">
               <a:rPr lang="en-US" smtClean="0"/>
-              <a:t>18-Oct-18</a:t>
+              <a:t>24-Oct-18</a:t>
             </a:fld>
             <a:endParaRPr lang="en-US"/>
           </a:p>
@@ -3027,7 +3027,7 @@
           <a:p>
             <a:fld id="{81DA158C-467E-43D9-893D-1E6C05288A0E}" type="datetimeFigureOut">
               <a:rPr lang="en-US" smtClean="0"/>
-              <a:t>18-Oct-18</a:t>
+              <a:t>24-Oct-18</a:t>
             </a:fld>
             <a:endParaRPr lang="en-US"/>
           </a:p>
@@ -3477,11 +3477,7 @@
             </a:pPr>
             <a:r>
               <a:rPr lang="en-US" dirty="0" smtClean="0"/>
-              <a:t>Second User/Address gives the </a:t>
-            </a:r>
-            <a:r>
-              <a:rPr lang="en-US" dirty="0" smtClean="0"/>
-              <a:t>feedback</a:t>
+              <a:t>Second User/Address gives the feedback</a:t>
             </a:r>
           </a:p>
           <a:p>
